--- a/Concepts/Concept_RES.pptx
+++ b/Concepts/Concept_RES.pptx
@@ -104,6 +104,11 @@
       </a:defRPr>
     </a:lvl9pPr>
   </p:defaultTextStyle>
+  <p:extLst>
+    <p:ext uri="{EFAFB233-063F-42B5-8137-9DF3F51BA10A}">
+      <p15:sldGuideLst xmlns:p15="http://schemas.microsoft.com/office/powerpoint/2012/main"/>
+    </p:ext>
+  </p:extLst>
 </p:presentation>
 </file>
 
@@ -254,7 +259,7 @@
           <a:p>
             <a:fld id="{257AC297-FE57-4687-B72B-A17B58D0D44F}" type="datetimeFigureOut">
               <a:rPr lang="en-US" smtClean="0"/>
-              <a:t>10/27/2025</a:t>
+              <a:t>10/28/2025</a:t>
             </a:fld>
             <a:endParaRPr lang="en-US"/>
           </a:p>
@@ -452,7 +457,7 @@
           <a:p>
             <a:fld id="{257AC297-FE57-4687-B72B-A17B58D0D44F}" type="datetimeFigureOut">
               <a:rPr lang="en-US" smtClean="0"/>
-              <a:t>10/27/2025</a:t>
+              <a:t>10/28/2025</a:t>
             </a:fld>
             <a:endParaRPr lang="en-US"/>
           </a:p>
@@ -660,7 +665,7 @@
           <a:p>
             <a:fld id="{257AC297-FE57-4687-B72B-A17B58D0D44F}" type="datetimeFigureOut">
               <a:rPr lang="en-US" smtClean="0"/>
-              <a:t>10/27/2025</a:t>
+              <a:t>10/28/2025</a:t>
             </a:fld>
             <a:endParaRPr lang="en-US"/>
           </a:p>
@@ -858,7 +863,7 @@
           <a:p>
             <a:fld id="{257AC297-FE57-4687-B72B-A17B58D0D44F}" type="datetimeFigureOut">
               <a:rPr lang="en-US" smtClean="0"/>
-              <a:t>10/27/2025</a:t>
+              <a:t>10/28/2025</a:t>
             </a:fld>
             <a:endParaRPr lang="en-US"/>
           </a:p>
@@ -1133,7 +1138,7 @@
           <a:p>
             <a:fld id="{257AC297-FE57-4687-B72B-A17B58D0D44F}" type="datetimeFigureOut">
               <a:rPr lang="en-US" smtClean="0"/>
-              <a:t>10/27/2025</a:t>
+              <a:t>10/28/2025</a:t>
             </a:fld>
             <a:endParaRPr lang="en-US"/>
           </a:p>
@@ -1398,7 +1403,7 @@
           <a:p>
             <a:fld id="{257AC297-FE57-4687-B72B-A17B58D0D44F}" type="datetimeFigureOut">
               <a:rPr lang="en-US" smtClean="0"/>
-              <a:t>10/27/2025</a:t>
+              <a:t>10/28/2025</a:t>
             </a:fld>
             <a:endParaRPr lang="en-US"/>
           </a:p>
@@ -1810,7 +1815,7 @@
           <a:p>
             <a:fld id="{257AC297-FE57-4687-B72B-A17B58D0D44F}" type="datetimeFigureOut">
               <a:rPr lang="en-US" smtClean="0"/>
-              <a:t>10/27/2025</a:t>
+              <a:t>10/28/2025</a:t>
             </a:fld>
             <a:endParaRPr lang="en-US"/>
           </a:p>
@@ -1951,7 +1956,7 @@
           <a:p>
             <a:fld id="{257AC297-FE57-4687-B72B-A17B58D0D44F}" type="datetimeFigureOut">
               <a:rPr lang="en-US" smtClean="0"/>
-              <a:t>10/27/2025</a:t>
+              <a:t>10/28/2025</a:t>
             </a:fld>
             <a:endParaRPr lang="en-US"/>
           </a:p>
@@ -2064,7 +2069,7 @@
           <a:p>
             <a:fld id="{257AC297-FE57-4687-B72B-A17B58D0D44F}" type="datetimeFigureOut">
               <a:rPr lang="en-US" smtClean="0"/>
-              <a:t>10/27/2025</a:t>
+              <a:t>10/28/2025</a:t>
             </a:fld>
             <a:endParaRPr lang="en-US"/>
           </a:p>
@@ -2375,7 +2380,7 @@
           <a:p>
             <a:fld id="{257AC297-FE57-4687-B72B-A17B58D0D44F}" type="datetimeFigureOut">
               <a:rPr lang="en-US" smtClean="0"/>
-              <a:t>10/27/2025</a:t>
+              <a:t>10/28/2025</a:t>
             </a:fld>
             <a:endParaRPr lang="en-US"/>
           </a:p>
@@ -2663,7 +2668,7 @@
           <a:p>
             <a:fld id="{257AC297-FE57-4687-B72B-A17B58D0D44F}" type="datetimeFigureOut">
               <a:rPr lang="en-US" smtClean="0"/>
-              <a:t>10/27/2025</a:t>
+              <a:t>10/28/2025</a:t>
             </a:fld>
             <a:endParaRPr lang="en-US"/>
           </a:p>
@@ -2904,7 +2909,7 @@
           <a:p>
             <a:fld id="{257AC297-FE57-4687-B72B-A17B58D0D44F}" type="datetimeFigureOut">
               <a:rPr lang="en-US" smtClean="0"/>
-              <a:t>10/27/2025</a:t>
+              <a:t>10/28/2025</a:t>
             </a:fld>
             <a:endParaRPr lang="en-US"/>
           </a:p>
@@ -4000,7 +4005,7 @@
         </p:nvSpPr>
         <p:spPr>
           <a:xfrm>
-            <a:off x="5276088" y="5786366"/>
+            <a:off x="5267007" y="2925275"/>
             <a:ext cx="1435608" cy="369332"/>
           </a:xfrm>
           <a:prstGeom prst="rect">
@@ -4521,6 +4526,109 @@
             <a:prstDash val="lgDash"/>
             <a:headEnd type="arrow" w="med" len="med"/>
             <a:tailEnd type="none" w="med" len="med"/>
+          </a:ln>
+        </p:spPr>
+        <p:style>
+          <a:lnRef idx="2">
+            <a:schemeClr val="dk1"/>
+          </a:lnRef>
+          <a:fillRef idx="0">
+            <a:schemeClr val="dk1"/>
+          </a:fillRef>
+          <a:effectRef idx="1">
+            <a:schemeClr val="dk1"/>
+          </a:effectRef>
+          <a:fontRef idx="minor">
+            <a:schemeClr val="tx1"/>
+          </a:fontRef>
+        </p:style>
+      </p:cxnSp>
+      <p:sp>
+        <p:nvSpPr>
+          <p:cNvPr id="2" name="Rectangle 1">
+            <a:extLst>
+              <a:ext uri="{FF2B5EF4-FFF2-40B4-BE49-F238E27FC236}">
+                <a16:creationId xmlns:a16="http://schemas.microsoft.com/office/drawing/2014/main" id="{F1F74637-AFE2-0713-5BA9-39FA2D523BCA}"/>
+              </a:ext>
+            </a:extLst>
+          </p:cNvPr>
+          <p:cNvSpPr/>
+          <p:nvPr/>
+        </p:nvSpPr>
+        <p:spPr>
+          <a:xfrm>
+            <a:off x="1781556" y="3758184"/>
+            <a:ext cx="1709928" cy="786384"/>
+          </a:xfrm>
+          <a:prstGeom prst="rect">
+            <a:avLst/>
+          </a:prstGeom>
+          <a:solidFill>
+            <a:schemeClr val="bg1"/>
+          </a:solidFill>
+        </p:spPr>
+        <p:style>
+          <a:lnRef idx="2">
+            <a:schemeClr val="accent1">
+              <a:shade val="15000"/>
+            </a:schemeClr>
+          </a:lnRef>
+          <a:fillRef idx="1">
+            <a:schemeClr val="accent1"/>
+          </a:fillRef>
+          <a:effectRef idx="0">
+            <a:schemeClr val="accent1"/>
+          </a:effectRef>
+          <a:fontRef idx="minor">
+            <a:schemeClr val="lt1"/>
+          </a:fontRef>
+        </p:style>
+        <p:txBody>
+          <a:bodyPr rtlCol="0" anchor="ctr"/>
+          <a:lstStyle/>
+          <a:p>
+            <a:pPr algn="ctr"/>
+            <a:r>
+              <a:rPr lang="en-GB" dirty="0">
+                <a:solidFill>
+                  <a:schemeClr val="tx1"/>
+                </a:solidFill>
+                <a:latin typeface="Trebuchet MS" panose="020B0603020202020204" pitchFamily="34" charset="0"/>
+              </a:rPr>
+              <a:t>Fuel Supply</a:t>
+            </a:r>
+            <a:endParaRPr lang="en-US" dirty="0">
+              <a:solidFill>
+                <a:schemeClr val="tx1"/>
+              </a:solidFill>
+              <a:latin typeface="Trebuchet MS" panose="020B0603020202020204" pitchFamily="34" charset="0"/>
+            </a:endParaRPr>
+          </a:p>
+        </p:txBody>
+      </p:sp>
+      <p:cxnSp>
+        <p:nvCxnSpPr>
+          <p:cNvPr id="3" name="Straight Arrow Connector 2">
+            <a:extLst>
+              <a:ext uri="{FF2B5EF4-FFF2-40B4-BE49-F238E27FC236}">
+                <a16:creationId xmlns:a16="http://schemas.microsoft.com/office/drawing/2014/main" id="{3E655B5A-3C43-A6CF-1CF9-994AD6FB6B90}"/>
+              </a:ext>
+            </a:extLst>
+          </p:cNvPr>
+          <p:cNvCxnSpPr/>
+          <p:nvPr/>
+        </p:nvCxnSpPr>
+        <p:spPr>
+          <a:xfrm>
+            <a:off x="3491484" y="4148719"/>
+            <a:ext cx="1060704" cy="0"/>
+          </a:xfrm>
+          <a:prstGeom prst="straightConnector1">
+            <a:avLst/>
+          </a:prstGeom>
+          <a:ln>
+            <a:headEnd type="oval" w="med" len="med"/>
+            <a:tailEnd type="arrow" w="med" len="med"/>
           </a:ln>
         </p:spPr>
         <p:style>
